--- a/01 GettingStarted/02 User interface.pptx
+++ b/01 GettingStarted/02 User interface.pptx
@@ -128,6 +128,30 @@
 <file path=ppt/changesInfos/changesInfo1.xml><?xml version="1.0" encoding="utf-8"?>
 <pc:chgInfo xmlns:a="http://schemas.openxmlformats.org/drawingml/2006/main" xmlns:r="http://schemas.openxmlformats.org/officeDocument/2006/relationships" xmlns:ac="http://schemas.microsoft.com/office/drawing/2013/main/command" xmlns:pc="http://schemas.microsoft.com/office/powerpoint/2013/main/command">
   <pc:docChgLst>
+    <pc:chgData name="Joshua Reiss" userId="71f87c30-4769-4a42-a082-a6a82298c8cb" providerId="ADAL" clId="{E27348F4-305F-43CE-A936-D2DD49E00A30}"/>
+    <pc:docChg chg="custSel modSld">
+      <pc:chgData name="Joshua Reiss" userId="71f87c30-4769-4a42-a082-a6a82298c8cb" providerId="ADAL" clId="{E27348F4-305F-43CE-A936-D2DD49E00A30}" dt="2025-01-28T16:38:41.449" v="17" actId="478"/>
+      <pc:docMkLst>
+        <pc:docMk/>
+      </pc:docMkLst>
+      <pc:sldChg chg="addSp delSp mod modNotesTx">
+        <pc:chgData name="Joshua Reiss" userId="71f87c30-4769-4a42-a082-a6a82298c8cb" providerId="ADAL" clId="{E27348F4-305F-43CE-A936-D2DD49E00A30}" dt="2025-01-28T16:38:41.449" v="17" actId="478"/>
+        <pc:sldMkLst>
+          <pc:docMk/>
+          <pc:sldMk cId="1280822007" sldId="270"/>
+        </pc:sldMkLst>
+        <pc:picChg chg="add del">
+          <ac:chgData name="Joshua Reiss" userId="71f87c30-4769-4a42-a082-a6a82298c8cb" providerId="ADAL" clId="{E27348F4-305F-43CE-A936-D2DD49E00A30}" dt="2025-01-28T16:38:41.449" v="17" actId="478"/>
+          <ac:picMkLst>
+            <pc:docMk/>
+            <pc:sldMk cId="1280822007" sldId="270"/>
+            <ac:picMk id="6" creationId="{208E5BDC-B305-38DB-C325-D3B7966F6803}"/>
+          </ac:picMkLst>
+        </pc:picChg>
+      </pc:sldChg>
+    </pc:docChg>
+  </pc:docChgLst>
+  <pc:docChgLst>
     <pc:chgData name="Joshua Reiss" userId="71f87c30-4769-4a42-a082-a6a82298c8cb" providerId="ADAL" clId="{B571520D-34E9-4194-8C29-A3DDA8833D07}"/>
     <pc:docChg chg="undo redo custSel modSld">
       <pc:chgData name="Joshua Reiss" userId="71f87c30-4769-4a42-a082-a6a82298c8cb" providerId="ADAL" clId="{B571520D-34E9-4194-8C29-A3DDA8833D07}" dt="2024-11-30T09:41:41.417" v="369" actId="6549"/>
@@ -242,7 +266,7 @@
           <a:p>
             <a:fld id="{5227223B-C626-4B4A-A435-83B66B7B6124}" type="datetimeFigureOut">
               <a:rPr lang="en-GB" smtClean="0"/>
-              <a:t>30/11/2024</a:t>
+              <a:t>28/01/2025</a:t>
             </a:fld>
             <a:endParaRPr lang="en-GB"/>
           </a:p>
@@ -1990,6 +2014,167 @@
 </p:notes>
 </file>
 
+<file path=ppt/notesSlides/notesSlide4.xml><?xml version="1.0" encoding="utf-8"?>
+<p:notes xmlns:a="http://schemas.openxmlformats.org/drawingml/2006/main" xmlns:r="http://schemas.openxmlformats.org/officeDocument/2006/relationships" xmlns:p="http://schemas.openxmlformats.org/presentationml/2006/main">
+  <p:cSld>
+    <p:spTree>
+      <p:nvGrpSpPr>
+        <p:cNvPr id="1" name=""/>
+        <p:cNvGrpSpPr/>
+        <p:nvPr/>
+      </p:nvGrpSpPr>
+      <p:grpSpPr>
+        <a:xfrm>
+          <a:off x="0" y="0"/>
+          <a:ext cx="0" cy="0"/>
+          <a:chOff x="0" y="0"/>
+          <a:chExt cx="0" cy="0"/>
+        </a:xfrm>
+      </p:grpSpPr>
+      <p:sp>
+        <p:nvSpPr>
+          <p:cNvPr id="2" name="Slide Image Placeholder 1"/>
+          <p:cNvSpPr>
+            <a:spLocks noGrp="1" noRot="1" noChangeAspect="1"/>
+          </p:cNvSpPr>
+          <p:nvPr>
+            <p:ph type="sldImg"/>
+          </p:nvPr>
+        </p:nvSpPr>
+        <p:spPr/>
+      </p:sp>
+      <p:sp>
+        <p:nvSpPr>
+          <p:cNvPr id="3" name="Notes Placeholder 2"/>
+          <p:cNvSpPr>
+            <a:spLocks noGrp="1"/>
+          </p:cNvSpPr>
+          <p:nvPr>
+            <p:ph type="body" idx="1"/>
+          </p:nvPr>
+        </p:nvSpPr>
+        <p:spPr/>
+        <p:txBody>
+          <a:bodyPr/>
+          <a:lstStyle/>
+          <a:p>
+            <a:r>
+              <a:rPr lang="en-US" dirty="0"/>
+              <a:t>From JUCE</a:t>
+            </a:r>
+          </a:p>
+          <a:p>
+            <a:endParaRPr lang="en-US" dirty="0"/>
+          </a:p>
+          <a:p>
+            <a:r>
+              <a:rPr lang="en-GB" dirty="0" err="1">
+                <a:solidFill>
+                  <a:srgbClr val="2B91AF"/>
+                </a:solidFill>
+                <a:latin typeface="Cascadia Mono" panose="020B0609020000020004" pitchFamily="49" charset="0"/>
+              </a:rPr>
+              <a:t>AudioParameterFloat</a:t>
+            </a:r>
+            <a:endParaRPr lang="en-GB" dirty="0">
+              <a:solidFill>
+                <a:srgbClr val="2B91AF"/>
+              </a:solidFill>
+              <a:latin typeface="Cascadia Mono" panose="020B0609020000020004" pitchFamily="49" charset="0"/>
+            </a:endParaRPr>
+          </a:p>
+          <a:p>
+            <a:r>
+              <a:rPr lang="en-GB" dirty="0" err="1">
+                <a:solidFill>
+                  <a:srgbClr val="2B91AF"/>
+                </a:solidFill>
+                <a:latin typeface="Cascadia Mono" panose="020B0609020000020004" pitchFamily="49" charset="0"/>
+              </a:rPr>
+              <a:t>AudioParameterInt</a:t>
+            </a:r>
+            <a:endParaRPr lang="en-GB" dirty="0">
+              <a:solidFill>
+                <a:srgbClr val="2B91AF"/>
+              </a:solidFill>
+              <a:latin typeface="Cascadia Mono" panose="020B0609020000020004" pitchFamily="49" charset="0"/>
+            </a:endParaRPr>
+          </a:p>
+          <a:p>
+            <a:r>
+              <a:rPr lang="en-GB" dirty="0" err="1">
+                <a:solidFill>
+                  <a:srgbClr val="2B91AF"/>
+                </a:solidFill>
+                <a:latin typeface="Cascadia Mono" panose="020B0609020000020004" pitchFamily="49" charset="0"/>
+              </a:rPr>
+              <a:t>AudioParameterChoice</a:t>
+            </a:r>
+            <a:endParaRPr lang="en-GB" dirty="0">
+              <a:solidFill>
+                <a:srgbClr val="2B91AF"/>
+              </a:solidFill>
+              <a:latin typeface="Cascadia Mono" panose="020B0609020000020004" pitchFamily="49" charset="0"/>
+            </a:endParaRPr>
+          </a:p>
+          <a:p>
+            <a:r>
+              <a:rPr lang="en-GB" dirty="0" err="1">
+                <a:solidFill>
+                  <a:srgbClr val="2B91AF"/>
+                </a:solidFill>
+                <a:latin typeface="Cascadia Mono" panose="020B0609020000020004" pitchFamily="49" charset="0"/>
+              </a:rPr>
+              <a:t>AudioParameterBool</a:t>
+            </a:r>
+            <a:endParaRPr lang="en-GB" dirty="0">
+              <a:solidFill>
+                <a:srgbClr val="2B91AF"/>
+              </a:solidFill>
+              <a:latin typeface="Cascadia Mono" panose="020B0609020000020004" pitchFamily="49" charset="0"/>
+            </a:endParaRPr>
+          </a:p>
+          <a:p>
+            <a:endParaRPr lang="en-GB" dirty="0"/>
+          </a:p>
+        </p:txBody>
+      </p:sp>
+      <p:sp>
+        <p:nvSpPr>
+          <p:cNvPr id="4" name="Slide Number Placeholder 3"/>
+          <p:cNvSpPr>
+            <a:spLocks noGrp="1"/>
+          </p:cNvSpPr>
+          <p:nvPr>
+            <p:ph type="sldNum" sz="quarter" idx="5"/>
+          </p:nvPr>
+        </p:nvSpPr>
+        <p:spPr/>
+        <p:txBody>
+          <a:bodyPr/>
+          <a:lstStyle/>
+          <a:p>
+            <a:fld id="{58E4FB99-5B34-47BD-8285-D55DD346A153}" type="slidenum">
+              <a:rPr lang="en-GB" smtClean="0"/>
+              <a:t>5</a:t>
+            </a:fld>
+            <a:endParaRPr lang="en-GB"/>
+          </a:p>
+        </p:txBody>
+      </p:sp>
+    </p:spTree>
+    <p:extLst>
+      <p:ext uri="{BB962C8B-B14F-4D97-AF65-F5344CB8AC3E}">
+        <p14:creationId xmlns:p14="http://schemas.microsoft.com/office/powerpoint/2010/main" val="3954980641"/>
+      </p:ext>
+    </p:extLst>
+  </p:cSld>
+  <p:clrMapOvr>
+    <a:masterClrMapping/>
+  </p:clrMapOvr>
+</p:notes>
+</file>
+
 <file path=ppt/slideLayouts/slideLayout1.xml><?xml version="1.0" encoding="utf-8"?>
 <p:sldLayout xmlns:a="http://schemas.openxmlformats.org/drawingml/2006/main" xmlns:r="http://schemas.openxmlformats.org/officeDocument/2006/relationships" xmlns:p="http://schemas.openxmlformats.org/presentationml/2006/main" type="title" preserve="1">
   <p:cSld name="Title Slide">
@@ -2139,7 +2324,7 @@
           <a:p>
             <a:fld id="{E916F367-2305-4E6C-9F9E-DC2F4BC41EF5}" type="datetimeFigureOut">
               <a:rPr lang="en-GB" smtClean="0"/>
-              <a:t>30/11/2024</a:t>
+              <a:t>28/01/2025</a:t>
             </a:fld>
             <a:endParaRPr lang="en-GB"/>
           </a:p>
@@ -2339,7 +2524,7 @@
           <a:p>
             <a:fld id="{E916F367-2305-4E6C-9F9E-DC2F4BC41EF5}" type="datetimeFigureOut">
               <a:rPr lang="en-GB" smtClean="0"/>
-              <a:t>30/11/2024</a:t>
+              <a:t>28/01/2025</a:t>
             </a:fld>
             <a:endParaRPr lang="en-GB"/>
           </a:p>
@@ -2549,7 +2734,7 @@
           <a:p>
             <a:fld id="{E916F367-2305-4E6C-9F9E-DC2F4BC41EF5}" type="datetimeFigureOut">
               <a:rPr lang="en-GB" smtClean="0"/>
-              <a:t>30/11/2024</a:t>
+              <a:t>28/01/2025</a:t>
             </a:fld>
             <a:endParaRPr lang="en-GB"/>
           </a:p>
@@ -2771,7 +2956,7 @@
           <a:p>
             <a:fld id="{E916F367-2305-4E6C-9F9E-DC2F4BC41EF5}" type="datetimeFigureOut">
               <a:rPr lang="en-GB" smtClean="0"/>
-              <a:t>30/11/2024</a:t>
+              <a:t>28/01/2025</a:t>
             </a:fld>
             <a:endParaRPr lang="en-GB"/>
           </a:p>
@@ -2976,7 +3161,7 @@
           <a:p>
             <a:fld id="{E916F367-2305-4E6C-9F9E-DC2F4BC41EF5}" type="datetimeFigureOut">
               <a:rPr lang="en-GB" smtClean="0"/>
-              <a:t>30/11/2024</a:t>
+              <a:t>28/01/2025</a:t>
             </a:fld>
             <a:endParaRPr lang="en-GB"/>
           </a:p>
@@ -3252,7 +3437,7 @@
           <a:p>
             <a:fld id="{E916F367-2305-4E6C-9F9E-DC2F4BC41EF5}" type="datetimeFigureOut">
               <a:rPr lang="en-GB" smtClean="0"/>
-              <a:t>30/11/2024</a:t>
+              <a:t>28/01/2025</a:t>
             </a:fld>
             <a:endParaRPr lang="en-GB"/>
           </a:p>
@@ -3520,7 +3705,7 @@
           <a:p>
             <a:fld id="{E916F367-2305-4E6C-9F9E-DC2F4BC41EF5}" type="datetimeFigureOut">
               <a:rPr lang="en-GB" smtClean="0"/>
-              <a:t>30/11/2024</a:t>
+              <a:t>28/01/2025</a:t>
             </a:fld>
             <a:endParaRPr lang="en-GB"/>
           </a:p>
@@ -3935,7 +4120,7 @@
           <a:p>
             <a:fld id="{E916F367-2305-4E6C-9F9E-DC2F4BC41EF5}" type="datetimeFigureOut">
               <a:rPr lang="en-GB" smtClean="0"/>
-              <a:t>30/11/2024</a:t>
+              <a:t>28/01/2025</a:t>
             </a:fld>
             <a:endParaRPr lang="en-GB"/>
           </a:p>
@@ -4077,7 +4262,7 @@
           <a:p>
             <a:fld id="{E916F367-2305-4E6C-9F9E-DC2F4BC41EF5}" type="datetimeFigureOut">
               <a:rPr lang="en-GB" smtClean="0"/>
-              <a:t>30/11/2024</a:t>
+              <a:t>28/01/2025</a:t>
             </a:fld>
             <a:endParaRPr lang="en-GB"/>
           </a:p>
@@ -4190,7 +4375,7 @@
           <a:p>
             <a:fld id="{E916F367-2305-4E6C-9F9E-DC2F4BC41EF5}" type="datetimeFigureOut">
               <a:rPr lang="en-GB" smtClean="0"/>
-              <a:t>30/11/2024</a:t>
+              <a:t>28/01/2025</a:t>
             </a:fld>
             <a:endParaRPr lang="en-GB"/>
           </a:p>
@@ -4503,7 +4688,7 @@
           <a:p>
             <a:fld id="{E916F367-2305-4E6C-9F9E-DC2F4BC41EF5}" type="datetimeFigureOut">
               <a:rPr lang="en-GB" smtClean="0"/>
-              <a:t>30/11/2024</a:t>
+              <a:t>28/01/2025</a:t>
             </a:fld>
             <a:endParaRPr lang="en-GB"/>
           </a:p>
@@ -4703,7 +4888,7 @@
           <a:p>
             <a:fld id="{E916F367-2305-4E6C-9F9E-DC2F4BC41EF5}" type="datetimeFigureOut">
               <a:rPr lang="en-GB" smtClean="0"/>
-              <a:t>30/11/2024</a:t>
+              <a:t>28/01/2025</a:t>
             </a:fld>
             <a:endParaRPr lang="en-GB"/>
           </a:p>
@@ -4992,7 +5177,7 @@
           <a:p>
             <a:fld id="{E916F367-2305-4E6C-9F9E-DC2F4BC41EF5}" type="datetimeFigureOut">
               <a:rPr lang="en-GB" smtClean="0"/>
-              <a:t>30/11/2024</a:t>
+              <a:t>28/01/2025</a:t>
             </a:fld>
             <a:endParaRPr lang="en-GB"/>
           </a:p>
@@ -5192,7 +5377,7 @@
           <a:p>
             <a:fld id="{E916F367-2305-4E6C-9F9E-DC2F4BC41EF5}" type="datetimeFigureOut">
               <a:rPr lang="en-GB" smtClean="0"/>
-              <a:t>30/11/2024</a:t>
+              <a:t>28/01/2025</a:t>
             </a:fld>
             <a:endParaRPr lang="en-GB"/>
           </a:p>
@@ -5402,7 +5587,7 @@
           <a:p>
             <a:fld id="{E916F367-2305-4E6C-9F9E-DC2F4BC41EF5}" type="datetimeFigureOut">
               <a:rPr lang="en-GB" smtClean="0"/>
-              <a:t>30/11/2024</a:t>
+              <a:t>28/01/2025</a:t>
             </a:fld>
             <a:endParaRPr lang="en-GB"/>
           </a:p>
@@ -5678,7 +5863,7 @@
           <a:p>
             <a:fld id="{E916F367-2305-4E6C-9F9E-DC2F4BC41EF5}" type="datetimeFigureOut">
               <a:rPr lang="en-GB" smtClean="0"/>
-              <a:t>30/11/2024</a:t>
+              <a:t>28/01/2025</a:t>
             </a:fld>
             <a:endParaRPr lang="en-GB"/>
           </a:p>
@@ -5946,7 +6131,7 @@
           <a:p>
             <a:fld id="{E916F367-2305-4E6C-9F9E-DC2F4BC41EF5}" type="datetimeFigureOut">
               <a:rPr lang="en-GB" smtClean="0"/>
-              <a:t>30/11/2024</a:t>
+              <a:t>28/01/2025</a:t>
             </a:fld>
             <a:endParaRPr lang="en-GB"/>
           </a:p>
@@ -6361,7 +6546,7 @@
           <a:p>
             <a:fld id="{E916F367-2305-4E6C-9F9E-DC2F4BC41EF5}" type="datetimeFigureOut">
               <a:rPr lang="en-GB" smtClean="0"/>
-              <a:t>30/11/2024</a:t>
+              <a:t>28/01/2025</a:t>
             </a:fld>
             <a:endParaRPr lang="en-GB"/>
           </a:p>
@@ -6503,7 +6688,7 @@
           <a:p>
             <a:fld id="{E916F367-2305-4E6C-9F9E-DC2F4BC41EF5}" type="datetimeFigureOut">
               <a:rPr lang="en-GB" smtClean="0"/>
-              <a:t>30/11/2024</a:t>
+              <a:t>28/01/2025</a:t>
             </a:fld>
             <a:endParaRPr lang="en-GB"/>
           </a:p>
@@ -6616,7 +6801,7 @@
           <a:p>
             <a:fld id="{E916F367-2305-4E6C-9F9E-DC2F4BC41EF5}" type="datetimeFigureOut">
               <a:rPr lang="en-GB" smtClean="0"/>
-              <a:t>30/11/2024</a:t>
+              <a:t>28/01/2025</a:t>
             </a:fld>
             <a:endParaRPr lang="en-GB"/>
           </a:p>
@@ -6929,7 +7114,7 @@
           <a:p>
             <a:fld id="{E916F367-2305-4E6C-9F9E-DC2F4BC41EF5}" type="datetimeFigureOut">
               <a:rPr lang="en-GB" smtClean="0"/>
-              <a:t>30/11/2024</a:t>
+              <a:t>28/01/2025</a:t>
             </a:fld>
             <a:endParaRPr lang="en-GB"/>
           </a:p>
@@ -7218,7 +7403,7 @@
           <a:p>
             <a:fld id="{E916F367-2305-4E6C-9F9E-DC2F4BC41EF5}" type="datetimeFigureOut">
               <a:rPr lang="en-GB" smtClean="0"/>
-              <a:t>30/11/2024</a:t>
+              <a:t>28/01/2025</a:t>
             </a:fld>
             <a:endParaRPr lang="en-GB"/>
           </a:p>
@@ -7461,7 +7646,7 @@
           <a:p>
             <a:fld id="{E916F367-2305-4E6C-9F9E-DC2F4BC41EF5}" type="datetimeFigureOut">
               <a:rPr lang="en-GB" smtClean="0"/>
-              <a:t>30/11/2024</a:t>
+              <a:t>28/01/2025</a:t>
             </a:fld>
             <a:endParaRPr lang="en-GB"/>
           </a:p>
@@ -8031,7 +8216,7 @@
           <a:p>
             <a:fld id="{E916F367-2305-4E6C-9F9E-DC2F4BC41EF5}" type="datetimeFigureOut">
               <a:rPr lang="en-GB" smtClean="0"/>
-              <a:t>30/11/2024</a:t>
+              <a:t>28/01/2025</a:t>
             </a:fld>
             <a:endParaRPr lang="en-GB"/>
           </a:p>
@@ -12343,7 +12528,7 @@
           <p:nvPr/>
         </p:nvPicPr>
         <p:blipFill rotWithShape="1">
-          <a:blip r:embed="rId2"/>
+          <a:blip r:embed="rId3"/>
           <a:srcRect b="5900"/>
           <a:stretch/>
         </p:blipFill>
